--- a/강의자료/chapter19.pptx
+++ b/강의자료/chapter19.pptx
@@ -5,10 +5,10 @@
     <p:sldMasterId id="2147483648" r:id="rId1"/>
   </p:sldMasterIdLst>
   <p:notesMasterIdLst>
-    <p:notesMasterId r:id="rId9"/>
+    <p:notesMasterId r:id="rId12"/>
   </p:notesMasterIdLst>
   <p:handoutMasterIdLst>
-    <p:handoutMasterId r:id="rId10"/>
+    <p:handoutMasterId r:id="rId13"/>
   </p:handoutMasterIdLst>
   <p:sldIdLst>
     <p:sldId id="256" r:id="rId2"/>
@@ -18,6 +18,9 @@
     <p:sldId id="604" r:id="rId6"/>
     <p:sldId id="599" r:id="rId7"/>
     <p:sldId id="600" r:id="rId8"/>
+    <p:sldId id="605" r:id="rId9"/>
+    <p:sldId id="606" r:id="rId10"/>
+    <p:sldId id="607" r:id="rId11"/>
   </p:sldIdLst>
   <p:sldSz cx="9144000" cy="6858000" type="screen4x3"/>
   <p:notesSz cx="6735763" cy="9799638"/>
@@ -2125,6 +2128,765 @@
     <p:extLst>
       <p:ext uri="{BB962C8B-B14F-4D97-AF65-F5344CB8AC3E}">
         <p14:creationId xmlns:p14="http://schemas.microsoft.com/office/powerpoint/2010/main" val="1616273129"/>
+      </p:ext>
+    </p:extLst>
+  </p:cSld>
+  <p:clrMapOvr>
+    <a:masterClrMapping/>
+  </p:clrMapOvr>
+</p:notes>
+</file>
+
+<file path=ppt/notesSlides/notesSlide6.xml><?xml version="1.0" encoding="utf-8"?>
+<p:notes xmlns:a="http://schemas.openxmlformats.org/drawingml/2006/main" xmlns:r="http://schemas.openxmlformats.org/officeDocument/2006/relationships" xmlns:p="http://schemas.openxmlformats.org/presentationml/2006/main">
+  <p:cSld>
+    <p:spTree>
+      <p:nvGrpSpPr>
+        <p:cNvPr id="1" name=""/>
+        <p:cNvGrpSpPr/>
+        <p:nvPr/>
+      </p:nvGrpSpPr>
+      <p:grpSpPr>
+        <a:xfrm>
+          <a:off x="0" y="0"/>
+          <a:ext cx="0" cy="0"/>
+          <a:chOff x="0" y="0"/>
+          <a:chExt cx="0" cy="0"/>
+        </a:xfrm>
+      </p:grpSpPr>
+      <p:sp>
+        <p:nvSpPr>
+          <p:cNvPr id="35842" name="슬라이드 이미지 개체 틀 1"/>
+          <p:cNvSpPr>
+            <a:spLocks noGrp="1" noRot="1" noChangeAspect="1" noTextEdit="1"/>
+          </p:cNvSpPr>
+          <p:nvPr>
+            <p:ph type="sldImg"/>
+          </p:nvPr>
+        </p:nvSpPr>
+        <p:spPr bwMode="auto">
+          <a:noFill/>
+          <a:ln>
+            <a:solidFill>
+              <a:srgbClr val="000000"/>
+            </a:solidFill>
+            <a:miter lim="800000"/>
+            <a:headEnd/>
+            <a:tailEnd/>
+          </a:ln>
+          <a:extLst>
+            <a:ext uri="{909E8E84-426E-40DD-AFC4-6F175D3DCCD1}">
+              <a14:hiddenFill xmlns:a14="http://schemas.microsoft.com/office/drawing/2010/main">
+                <a:solidFill>
+                  <a:srgbClr val="FFFFFF"/>
+                </a:solidFill>
+              </a14:hiddenFill>
+            </a:ext>
+          </a:extLst>
+        </p:spPr>
+      </p:sp>
+      <p:sp>
+        <p:nvSpPr>
+          <p:cNvPr id="35843" name="슬라이드 노트 개체 틀 2"/>
+          <p:cNvSpPr>
+            <a:spLocks noGrp="1"/>
+          </p:cNvSpPr>
+          <p:nvPr>
+            <p:ph type="body" idx="1"/>
+          </p:nvPr>
+        </p:nvSpPr>
+        <p:spPr bwMode="auto">
+          <a:noFill/>
+          <a:extLst>
+            <a:ext uri="{909E8E84-426E-40DD-AFC4-6F175D3DCCD1}">
+              <a14:hiddenFill xmlns:a14="http://schemas.microsoft.com/office/drawing/2010/main">
+                <a:solidFill>
+                  <a:srgbClr val="FFFFFF"/>
+                </a:solidFill>
+              </a14:hiddenFill>
+            </a:ext>
+            <a:ext uri="{91240B29-F687-4F45-9708-019B960494DF}">
+              <a14:hiddenLine xmlns:a14="http://schemas.microsoft.com/office/drawing/2010/main" w="9525">
+                <a:solidFill>
+                  <a:srgbClr val="000000"/>
+                </a:solidFill>
+                <a:miter lim="800000"/>
+                <a:headEnd/>
+                <a:tailEnd/>
+              </a14:hiddenLine>
+            </a:ext>
+          </a:extLst>
+        </p:spPr>
+        <p:txBody>
+          <a:bodyPr wrap="square" numCol="1" anchor="t" anchorCtr="0" compatLnSpc="1">
+            <a:prstTxWarp prst="textNoShape">
+              <a:avLst/>
+            </a:prstTxWarp>
+          </a:bodyPr>
+          <a:lstStyle/>
+          <a:p>
+            <a:pPr>
+              <a:spcBef>
+                <a:spcPct val="0"/>
+              </a:spcBef>
+            </a:pPr>
+            <a:endParaRPr lang="en-US" altLang="ko-KR" smtClean="0"/>
+          </a:p>
+        </p:txBody>
+      </p:sp>
+      <p:sp>
+        <p:nvSpPr>
+          <p:cNvPr id="35844" name="슬라이드 번호 개체 틀 3"/>
+          <p:cNvSpPr>
+            <a:spLocks noGrp="1"/>
+          </p:cNvSpPr>
+          <p:nvPr>
+            <p:ph type="sldNum" sz="quarter" idx="5"/>
+          </p:nvPr>
+        </p:nvSpPr>
+        <p:spPr bwMode="auto">
+          <a:noFill/>
+          <a:extLst>
+            <a:ext uri="{909E8E84-426E-40DD-AFC4-6F175D3DCCD1}">
+              <a14:hiddenFill xmlns:a14="http://schemas.microsoft.com/office/drawing/2010/main">
+                <a:solidFill>
+                  <a:srgbClr val="FFFFFF"/>
+                </a:solidFill>
+              </a14:hiddenFill>
+            </a:ext>
+            <a:ext uri="{91240B29-F687-4F45-9708-019B960494DF}">
+              <a14:hiddenLine xmlns:a14="http://schemas.microsoft.com/office/drawing/2010/main" w="9525">
+                <a:solidFill>
+                  <a:srgbClr val="000000"/>
+                </a:solidFill>
+                <a:miter lim="800000"/>
+                <a:headEnd/>
+                <a:tailEnd/>
+              </a14:hiddenLine>
+            </a:ext>
+          </a:extLst>
+        </p:spPr>
+        <p:txBody>
+          <a:bodyPr/>
+          <a:lstStyle>
+            <a:lvl1pPr eaLnBrk="0" hangingPunct="0">
+              <a:defRPr>
+                <a:solidFill>
+                  <a:schemeClr val="tx1"/>
+                </a:solidFill>
+                <a:latin typeface="Arial" panose="020B0604020202020204" pitchFamily="34" charset="0"/>
+              </a:defRPr>
+            </a:lvl1pPr>
+            <a:lvl2pPr marL="742950" indent="-285750" eaLnBrk="0" hangingPunct="0">
+              <a:defRPr>
+                <a:solidFill>
+                  <a:schemeClr val="tx1"/>
+                </a:solidFill>
+                <a:latin typeface="Arial" panose="020B0604020202020204" pitchFamily="34" charset="0"/>
+              </a:defRPr>
+            </a:lvl2pPr>
+            <a:lvl3pPr marL="1143000" indent="-228600" eaLnBrk="0" hangingPunct="0">
+              <a:defRPr>
+                <a:solidFill>
+                  <a:schemeClr val="tx1"/>
+                </a:solidFill>
+                <a:latin typeface="Arial" panose="020B0604020202020204" pitchFamily="34" charset="0"/>
+              </a:defRPr>
+            </a:lvl3pPr>
+            <a:lvl4pPr marL="1600200" indent="-228600" eaLnBrk="0" hangingPunct="0">
+              <a:defRPr>
+                <a:solidFill>
+                  <a:schemeClr val="tx1"/>
+                </a:solidFill>
+                <a:latin typeface="Arial" panose="020B0604020202020204" pitchFamily="34" charset="0"/>
+              </a:defRPr>
+            </a:lvl4pPr>
+            <a:lvl5pPr marL="2057400" indent="-228600" eaLnBrk="0" hangingPunct="0">
+              <a:defRPr>
+                <a:solidFill>
+                  <a:schemeClr val="tx1"/>
+                </a:solidFill>
+                <a:latin typeface="Arial" panose="020B0604020202020204" pitchFamily="34" charset="0"/>
+              </a:defRPr>
+            </a:lvl5pPr>
+            <a:lvl6pPr marL="2514600" indent="-228600" eaLnBrk="0" fontAlgn="base" hangingPunct="0">
+              <a:spcBef>
+                <a:spcPct val="0"/>
+              </a:spcBef>
+              <a:spcAft>
+                <a:spcPct val="0"/>
+              </a:spcAft>
+              <a:defRPr>
+                <a:solidFill>
+                  <a:schemeClr val="tx1"/>
+                </a:solidFill>
+                <a:latin typeface="Arial" panose="020B0604020202020204" pitchFamily="34" charset="0"/>
+              </a:defRPr>
+            </a:lvl6pPr>
+            <a:lvl7pPr marL="2971800" indent="-228600" eaLnBrk="0" fontAlgn="base" hangingPunct="0">
+              <a:spcBef>
+                <a:spcPct val="0"/>
+              </a:spcBef>
+              <a:spcAft>
+                <a:spcPct val="0"/>
+              </a:spcAft>
+              <a:defRPr>
+                <a:solidFill>
+                  <a:schemeClr val="tx1"/>
+                </a:solidFill>
+                <a:latin typeface="Arial" panose="020B0604020202020204" pitchFamily="34" charset="0"/>
+              </a:defRPr>
+            </a:lvl7pPr>
+            <a:lvl8pPr marL="3429000" indent="-228600" eaLnBrk="0" fontAlgn="base" hangingPunct="0">
+              <a:spcBef>
+                <a:spcPct val="0"/>
+              </a:spcBef>
+              <a:spcAft>
+                <a:spcPct val="0"/>
+              </a:spcAft>
+              <a:defRPr>
+                <a:solidFill>
+                  <a:schemeClr val="tx1"/>
+                </a:solidFill>
+                <a:latin typeface="Arial" panose="020B0604020202020204" pitchFamily="34" charset="0"/>
+              </a:defRPr>
+            </a:lvl8pPr>
+            <a:lvl9pPr marL="3886200" indent="-228600" eaLnBrk="0" fontAlgn="base" hangingPunct="0">
+              <a:spcBef>
+                <a:spcPct val="0"/>
+              </a:spcBef>
+              <a:spcAft>
+                <a:spcPct val="0"/>
+              </a:spcAft>
+              <a:defRPr>
+                <a:solidFill>
+                  <a:schemeClr val="tx1"/>
+                </a:solidFill>
+                <a:latin typeface="Arial" panose="020B0604020202020204" pitchFamily="34" charset="0"/>
+              </a:defRPr>
+            </a:lvl9pPr>
+          </a:lstStyle>
+          <a:p>
+            <a:pPr eaLnBrk="1" hangingPunct="1"/>
+            <a:fld id="{D1DAB758-70C7-43BA-B8FB-45BEF680734D}" type="slidenum">
+              <a:rPr lang="ko-KR" altLang="en-US"/>
+              <a:pPr eaLnBrk="1" hangingPunct="1"/>
+              <a:t>8</a:t>
+            </a:fld>
+            <a:endParaRPr lang="ko-KR" altLang="en-US"/>
+          </a:p>
+        </p:txBody>
+      </p:sp>
+    </p:spTree>
+    <p:extLst>
+      <p:ext uri="{BB962C8B-B14F-4D97-AF65-F5344CB8AC3E}">
+        <p14:creationId xmlns:p14="http://schemas.microsoft.com/office/powerpoint/2010/main" val="4187582957"/>
+      </p:ext>
+    </p:extLst>
+  </p:cSld>
+  <p:clrMapOvr>
+    <a:masterClrMapping/>
+  </p:clrMapOvr>
+</p:notes>
+</file>
+
+<file path=ppt/notesSlides/notesSlide7.xml><?xml version="1.0" encoding="utf-8"?>
+<p:notes xmlns:a="http://schemas.openxmlformats.org/drawingml/2006/main" xmlns:r="http://schemas.openxmlformats.org/officeDocument/2006/relationships" xmlns:p="http://schemas.openxmlformats.org/presentationml/2006/main">
+  <p:cSld>
+    <p:spTree>
+      <p:nvGrpSpPr>
+        <p:cNvPr id="1" name=""/>
+        <p:cNvGrpSpPr/>
+        <p:nvPr/>
+      </p:nvGrpSpPr>
+      <p:grpSpPr>
+        <a:xfrm>
+          <a:off x="0" y="0"/>
+          <a:ext cx="0" cy="0"/>
+          <a:chOff x="0" y="0"/>
+          <a:chExt cx="0" cy="0"/>
+        </a:xfrm>
+      </p:grpSpPr>
+      <p:sp>
+        <p:nvSpPr>
+          <p:cNvPr id="35842" name="슬라이드 이미지 개체 틀 1"/>
+          <p:cNvSpPr>
+            <a:spLocks noGrp="1" noRot="1" noChangeAspect="1" noTextEdit="1"/>
+          </p:cNvSpPr>
+          <p:nvPr>
+            <p:ph type="sldImg"/>
+          </p:nvPr>
+        </p:nvSpPr>
+        <p:spPr bwMode="auto">
+          <a:noFill/>
+          <a:ln>
+            <a:solidFill>
+              <a:srgbClr val="000000"/>
+            </a:solidFill>
+            <a:miter lim="800000"/>
+            <a:headEnd/>
+            <a:tailEnd/>
+          </a:ln>
+          <a:extLst>
+            <a:ext uri="{909E8E84-426E-40DD-AFC4-6F175D3DCCD1}">
+              <a14:hiddenFill xmlns:a14="http://schemas.microsoft.com/office/drawing/2010/main">
+                <a:solidFill>
+                  <a:srgbClr val="FFFFFF"/>
+                </a:solidFill>
+              </a14:hiddenFill>
+            </a:ext>
+          </a:extLst>
+        </p:spPr>
+      </p:sp>
+      <p:sp>
+        <p:nvSpPr>
+          <p:cNvPr id="35843" name="슬라이드 노트 개체 틀 2"/>
+          <p:cNvSpPr>
+            <a:spLocks noGrp="1"/>
+          </p:cNvSpPr>
+          <p:nvPr>
+            <p:ph type="body" idx="1"/>
+          </p:nvPr>
+        </p:nvSpPr>
+        <p:spPr bwMode="auto">
+          <a:noFill/>
+          <a:extLst>
+            <a:ext uri="{909E8E84-426E-40DD-AFC4-6F175D3DCCD1}">
+              <a14:hiddenFill xmlns:a14="http://schemas.microsoft.com/office/drawing/2010/main">
+                <a:solidFill>
+                  <a:srgbClr val="FFFFFF"/>
+                </a:solidFill>
+              </a14:hiddenFill>
+            </a:ext>
+            <a:ext uri="{91240B29-F687-4F45-9708-019B960494DF}">
+              <a14:hiddenLine xmlns:a14="http://schemas.microsoft.com/office/drawing/2010/main" w="9525">
+                <a:solidFill>
+                  <a:srgbClr val="000000"/>
+                </a:solidFill>
+                <a:miter lim="800000"/>
+                <a:headEnd/>
+                <a:tailEnd/>
+              </a14:hiddenLine>
+            </a:ext>
+          </a:extLst>
+        </p:spPr>
+        <p:txBody>
+          <a:bodyPr wrap="square" numCol="1" anchor="t" anchorCtr="0" compatLnSpc="1">
+            <a:prstTxWarp prst="textNoShape">
+              <a:avLst/>
+            </a:prstTxWarp>
+          </a:bodyPr>
+          <a:lstStyle/>
+          <a:p>
+            <a:pPr>
+              <a:spcBef>
+                <a:spcPct val="0"/>
+              </a:spcBef>
+            </a:pPr>
+            <a:endParaRPr lang="en-US" altLang="ko-KR" smtClean="0"/>
+          </a:p>
+        </p:txBody>
+      </p:sp>
+      <p:sp>
+        <p:nvSpPr>
+          <p:cNvPr id="35844" name="슬라이드 번호 개체 틀 3"/>
+          <p:cNvSpPr>
+            <a:spLocks noGrp="1"/>
+          </p:cNvSpPr>
+          <p:nvPr>
+            <p:ph type="sldNum" sz="quarter" idx="5"/>
+          </p:nvPr>
+        </p:nvSpPr>
+        <p:spPr bwMode="auto">
+          <a:noFill/>
+          <a:extLst>
+            <a:ext uri="{909E8E84-426E-40DD-AFC4-6F175D3DCCD1}">
+              <a14:hiddenFill xmlns:a14="http://schemas.microsoft.com/office/drawing/2010/main">
+                <a:solidFill>
+                  <a:srgbClr val="FFFFFF"/>
+                </a:solidFill>
+              </a14:hiddenFill>
+            </a:ext>
+            <a:ext uri="{91240B29-F687-4F45-9708-019B960494DF}">
+              <a14:hiddenLine xmlns:a14="http://schemas.microsoft.com/office/drawing/2010/main" w="9525">
+                <a:solidFill>
+                  <a:srgbClr val="000000"/>
+                </a:solidFill>
+                <a:miter lim="800000"/>
+                <a:headEnd/>
+                <a:tailEnd/>
+              </a14:hiddenLine>
+            </a:ext>
+          </a:extLst>
+        </p:spPr>
+        <p:txBody>
+          <a:bodyPr/>
+          <a:lstStyle>
+            <a:lvl1pPr eaLnBrk="0" hangingPunct="0">
+              <a:defRPr>
+                <a:solidFill>
+                  <a:schemeClr val="tx1"/>
+                </a:solidFill>
+                <a:latin typeface="Arial" panose="020B0604020202020204" pitchFamily="34" charset="0"/>
+              </a:defRPr>
+            </a:lvl1pPr>
+            <a:lvl2pPr marL="742950" indent="-285750" eaLnBrk="0" hangingPunct="0">
+              <a:defRPr>
+                <a:solidFill>
+                  <a:schemeClr val="tx1"/>
+                </a:solidFill>
+                <a:latin typeface="Arial" panose="020B0604020202020204" pitchFamily="34" charset="0"/>
+              </a:defRPr>
+            </a:lvl2pPr>
+            <a:lvl3pPr marL="1143000" indent="-228600" eaLnBrk="0" hangingPunct="0">
+              <a:defRPr>
+                <a:solidFill>
+                  <a:schemeClr val="tx1"/>
+                </a:solidFill>
+                <a:latin typeface="Arial" panose="020B0604020202020204" pitchFamily="34" charset="0"/>
+              </a:defRPr>
+            </a:lvl3pPr>
+            <a:lvl4pPr marL="1600200" indent="-228600" eaLnBrk="0" hangingPunct="0">
+              <a:defRPr>
+                <a:solidFill>
+                  <a:schemeClr val="tx1"/>
+                </a:solidFill>
+                <a:latin typeface="Arial" panose="020B0604020202020204" pitchFamily="34" charset="0"/>
+              </a:defRPr>
+            </a:lvl4pPr>
+            <a:lvl5pPr marL="2057400" indent="-228600" eaLnBrk="0" hangingPunct="0">
+              <a:defRPr>
+                <a:solidFill>
+                  <a:schemeClr val="tx1"/>
+                </a:solidFill>
+                <a:latin typeface="Arial" panose="020B0604020202020204" pitchFamily="34" charset="0"/>
+              </a:defRPr>
+            </a:lvl5pPr>
+            <a:lvl6pPr marL="2514600" indent="-228600" eaLnBrk="0" fontAlgn="base" hangingPunct="0">
+              <a:spcBef>
+                <a:spcPct val="0"/>
+              </a:spcBef>
+              <a:spcAft>
+                <a:spcPct val="0"/>
+              </a:spcAft>
+              <a:defRPr>
+                <a:solidFill>
+                  <a:schemeClr val="tx1"/>
+                </a:solidFill>
+                <a:latin typeface="Arial" panose="020B0604020202020204" pitchFamily="34" charset="0"/>
+              </a:defRPr>
+            </a:lvl6pPr>
+            <a:lvl7pPr marL="2971800" indent="-228600" eaLnBrk="0" fontAlgn="base" hangingPunct="0">
+              <a:spcBef>
+                <a:spcPct val="0"/>
+              </a:spcBef>
+              <a:spcAft>
+                <a:spcPct val="0"/>
+              </a:spcAft>
+              <a:defRPr>
+                <a:solidFill>
+                  <a:schemeClr val="tx1"/>
+                </a:solidFill>
+                <a:latin typeface="Arial" panose="020B0604020202020204" pitchFamily="34" charset="0"/>
+              </a:defRPr>
+            </a:lvl7pPr>
+            <a:lvl8pPr marL="3429000" indent="-228600" eaLnBrk="0" fontAlgn="base" hangingPunct="0">
+              <a:spcBef>
+                <a:spcPct val="0"/>
+              </a:spcBef>
+              <a:spcAft>
+                <a:spcPct val="0"/>
+              </a:spcAft>
+              <a:defRPr>
+                <a:solidFill>
+                  <a:schemeClr val="tx1"/>
+                </a:solidFill>
+                <a:latin typeface="Arial" panose="020B0604020202020204" pitchFamily="34" charset="0"/>
+              </a:defRPr>
+            </a:lvl8pPr>
+            <a:lvl9pPr marL="3886200" indent="-228600" eaLnBrk="0" fontAlgn="base" hangingPunct="0">
+              <a:spcBef>
+                <a:spcPct val="0"/>
+              </a:spcBef>
+              <a:spcAft>
+                <a:spcPct val="0"/>
+              </a:spcAft>
+              <a:defRPr>
+                <a:solidFill>
+                  <a:schemeClr val="tx1"/>
+                </a:solidFill>
+                <a:latin typeface="Arial" panose="020B0604020202020204" pitchFamily="34" charset="0"/>
+              </a:defRPr>
+            </a:lvl9pPr>
+          </a:lstStyle>
+          <a:p>
+            <a:pPr eaLnBrk="1" hangingPunct="1"/>
+            <a:fld id="{D1DAB758-70C7-43BA-B8FB-45BEF680734D}" type="slidenum">
+              <a:rPr lang="ko-KR" altLang="en-US"/>
+              <a:pPr eaLnBrk="1" hangingPunct="1"/>
+              <a:t>9</a:t>
+            </a:fld>
+            <a:endParaRPr lang="ko-KR" altLang="en-US"/>
+          </a:p>
+        </p:txBody>
+      </p:sp>
+    </p:spTree>
+    <p:extLst>
+      <p:ext uri="{BB962C8B-B14F-4D97-AF65-F5344CB8AC3E}">
+        <p14:creationId xmlns:p14="http://schemas.microsoft.com/office/powerpoint/2010/main" val="1215711967"/>
+      </p:ext>
+    </p:extLst>
+  </p:cSld>
+  <p:clrMapOvr>
+    <a:masterClrMapping/>
+  </p:clrMapOvr>
+</p:notes>
+</file>
+
+<file path=ppt/notesSlides/notesSlide8.xml><?xml version="1.0" encoding="utf-8"?>
+<p:notes xmlns:a="http://schemas.openxmlformats.org/drawingml/2006/main" xmlns:r="http://schemas.openxmlformats.org/officeDocument/2006/relationships" xmlns:p="http://schemas.openxmlformats.org/presentationml/2006/main">
+  <p:cSld>
+    <p:spTree>
+      <p:nvGrpSpPr>
+        <p:cNvPr id="1" name=""/>
+        <p:cNvGrpSpPr/>
+        <p:nvPr/>
+      </p:nvGrpSpPr>
+      <p:grpSpPr>
+        <a:xfrm>
+          <a:off x="0" y="0"/>
+          <a:ext cx="0" cy="0"/>
+          <a:chOff x="0" y="0"/>
+          <a:chExt cx="0" cy="0"/>
+        </a:xfrm>
+      </p:grpSpPr>
+      <p:sp>
+        <p:nvSpPr>
+          <p:cNvPr id="35842" name="슬라이드 이미지 개체 틀 1"/>
+          <p:cNvSpPr>
+            <a:spLocks noGrp="1" noRot="1" noChangeAspect="1" noTextEdit="1"/>
+          </p:cNvSpPr>
+          <p:nvPr>
+            <p:ph type="sldImg"/>
+          </p:nvPr>
+        </p:nvSpPr>
+        <p:spPr bwMode="auto">
+          <a:noFill/>
+          <a:ln>
+            <a:solidFill>
+              <a:srgbClr val="000000"/>
+            </a:solidFill>
+            <a:miter lim="800000"/>
+            <a:headEnd/>
+            <a:tailEnd/>
+          </a:ln>
+          <a:extLst>
+            <a:ext uri="{909E8E84-426E-40DD-AFC4-6F175D3DCCD1}">
+              <a14:hiddenFill xmlns:a14="http://schemas.microsoft.com/office/drawing/2010/main">
+                <a:solidFill>
+                  <a:srgbClr val="FFFFFF"/>
+                </a:solidFill>
+              </a14:hiddenFill>
+            </a:ext>
+          </a:extLst>
+        </p:spPr>
+      </p:sp>
+      <p:sp>
+        <p:nvSpPr>
+          <p:cNvPr id="35843" name="슬라이드 노트 개체 틀 2"/>
+          <p:cNvSpPr>
+            <a:spLocks noGrp="1"/>
+          </p:cNvSpPr>
+          <p:nvPr>
+            <p:ph type="body" idx="1"/>
+          </p:nvPr>
+        </p:nvSpPr>
+        <p:spPr bwMode="auto">
+          <a:noFill/>
+          <a:extLst>
+            <a:ext uri="{909E8E84-426E-40DD-AFC4-6F175D3DCCD1}">
+              <a14:hiddenFill xmlns:a14="http://schemas.microsoft.com/office/drawing/2010/main">
+                <a:solidFill>
+                  <a:srgbClr val="FFFFFF"/>
+                </a:solidFill>
+              </a14:hiddenFill>
+            </a:ext>
+            <a:ext uri="{91240B29-F687-4F45-9708-019B960494DF}">
+              <a14:hiddenLine xmlns:a14="http://schemas.microsoft.com/office/drawing/2010/main" w="9525">
+                <a:solidFill>
+                  <a:srgbClr val="000000"/>
+                </a:solidFill>
+                <a:miter lim="800000"/>
+                <a:headEnd/>
+                <a:tailEnd/>
+              </a14:hiddenLine>
+            </a:ext>
+          </a:extLst>
+        </p:spPr>
+        <p:txBody>
+          <a:bodyPr wrap="square" numCol="1" anchor="t" anchorCtr="0" compatLnSpc="1">
+            <a:prstTxWarp prst="textNoShape">
+              <a:avLst/>
+            </a:prstTxWarp>
+          </a:bodyPr>
+          <a:lstStyle/>
+          <a:p>
+            <a:pPr>
+              <a:spcBef>
+                <a:spcPct val="0"/>
+              </a:spcBef>
+            </a:pPr>
+            <a:endParaRPr lang="en-US" altLang="ko-KR" smtClean="0"/>
+          </a:p>
+        </p:txBody>
+      </p:sp>
+      <p:sp>
+        <p:nvSpPr>
+          <p:cNvPr id="35844" name="슬라이드 번호 개체 틀 3"/>
+          <p:cNvSpPr>
+            <a:spLocks noGrp="1"/>
+          </p:cNvSpPr>
+          <p:nvPr>
+            <p:ph type="sldNum" sz="quarter" idx="5"/>
+          </p:nvPr>
+        </p:nvSpPr>
+        <p:spPr bwMode="auto">
+          <a:noFill/>
+          <a:extLst>
+            <a:ext uri="{909E8E84-426E-40DD-AFC4-6F175D3DCCD1}">
+              <a14:hiddenFill xmlns:a14="http://schemas.microsoft.com/office/drawing/2010/main">
+                <a:solidFill>
+                  <a:srgbClr val="FFFFFF"/>
+                </a:solidFill>
+              </a14:hiddenFill>
+            </a:ext>
+            <a:ext uri="{91240B29-F687-4F45-9708-019B960494DF}">
+              <a14:hiddenLine xmlns:a14="http://schemas.microsoft.com/office/drawing/2010/main" w="9525">
+                <a:solidFill>
+                  <a:srgbClr val="000000"/>
+                </a:solidFill>
+                <a:miter lim="800000"/>
+                <a:headEnd/>
+                <a:tailEnd/>
+              </a14:hiddenLine>
+            </a:ext>
+          </a:extLst>
+        </p:spPr>
+        <p:txBody>
+          <a:bodyPr/>
+          <a:lstStyle>
+            <a:lvl1pPr eaLnBrk="0" hangingPunct="0">
+              <a:defRPr>
+                <a:solidFill>
+                  <a:schemeClr val="tx1"/>
+                </a:solidFill>
+                <a:latin typeface="Arial" panose="020B0604020202020204" pitchFamily="34" charset="0"/>
+              </a:defRPr>
+            </a:lvl1pPr>
+            <a:lvl2pPr marL="742950" indent="-285750" eaLnBrk="0" hangingPunct="0">
+              <a:defRPr>
+                <a:solidFill>
+                  <a:schemeClr val="tx1"/>
+                </a:solidFill>
+                <a:latin typeface="Arial" panose="020B0604020202020204" pitchFamily="34" charset="0"/>
+              </a:defRPr>
+            </a:lvl2pPr>
+            <a:lvl3pPr marL="1143000" indent="-228600" eaLnBrk="0" hangingPunct="0">
+              <a:defRPr>
+                <a:solidFill>
+                  <a:schemeClr val="tx1"/>
+                </a:solidFill>
+                <a:latin typeface="Arial" panose="020B0604020202020204" pitchFamily="34" charset="0"/>
+              </a:defRPr>
+            </a:lvl3pPr>
+            <a:lvl4pPr marL="1600200" indent="-228600" eaLnBrk="0" hangingPunct="0">
+              <a:defRPr>
+                <a:solidFill>
+                  <a:schemeClr val="tx1"/>
+                </a:solidFill>
+                <a:latin typeface="Arial" panose="020B0604020202020204" pitchFamily="34" charset="0"/>
+              </a:defRPr>
+            </a:lvl4pPr>
+            <a:lvl5pPr marL="2057400" indent="-228600" eaLnBrk="0" hangingPunct="0">
+              <a:defRPr>
+                <a:solidFill>
+                  <a:schemeClr val="tx1"/>
+                </a:solidFill>
+                <a:latin typeface="Arial" panose="020B0604020202020204" pitchFamily="34" charset="0"/>
+              </a:defRPr>
+            </a:lvl5pPr>
+            <a:lvl6pPr marL="2514600" indent="-228600" eaLnBrk="0" fontAlgn="base" hangingPunct="0">
+              <a:spcBef>
+                <a:spcPct val="0"/>
+              </a:spcBef>
+              <a:spcAft>
+                <a:spcPct val="0"/>
+              </a:spcAft>
+              <a:defRPr>
+                <a:solidFill>
+                  <a:schemeClr val="tx1"/>
+                </a:solidFill>
+                <a:latin typeface="Arial" panose="020B0604020202020204" pitchFamily="34" charset="0"/>
+              </a:defRPr>
+            </a:lvl6pPr>
+            <a:lvl7pPr marL="2971800" indent="-228600" eaLnBrk="0" fontAlgn="base" hangingPunct="0">
+              <a:spcBef>
+                <a:spcPct val="0"/>
+              </a:spcBef>
+              <a:spcAft>
+                <a:spcPct val="0"/>
+              </a:spcAft>
+              <a:defRPr>
+                <a:solidFill>
+                  <a:schemeClr val="tx1"/>
+                </a:solidFill>
+                <a:latin typeface="Arial" panose="020B0604020202020204" pitchFamily="34" charset="0"/>
+              </a:defRPr>
+            </a:lvl7pPr>
+            <a:lvl8pPr marL="3429000" indent="-228600" eaLnBrk="0" fontAlgn="base" hangingPunct="0">
+              <a:spcBef>
+                <a:spcPct val="0"/>
+              </a:spcBef>
+              <a:spcAft>
+                <a:spcPct val="0"/>
+              </a:spcAft>
+              <a:defRPr>
+                <a:solidFill>
+                  <a:schemeClr val="tx1"/>
+                </a:solidFill>
+                <a:latin typeface="Arial" panose="020B0604020202020204" pitchFamily="34" charset="0"/>
+              </a:defRPr>
+            </a:lvl8pPr>
+            <a:lvl9pPr marL="3886200" indent="-228600" eaLnBrk="0" fontAlgn="base" hangingPunct="0">
+              <a:spcBef>
+                <a:spcPct val="0"/>
+              </a:spcBef>
+              <a:spcAft>
+                <a:spcPct val="0"/>
+              </a:spcAft>
+              <a:defRPr>
+                <a:solidFill>
+                  <a:schemeClr val="tx1"/>
+                </a:solidFill>
+                <a:latin typeface="Arial" panose="020B0604020202020204" pitchFamily="34" charset="0"/>
+              </a:defRPr>
+            </a:lvl9pPr>
+          </a:lstStyle>
+          <a:p>
+            <a:pPr eaLnBrk="1" hangingPunct="1"/>
+            <a:fld id="{D1DAB758-70C7-43BA-B8FB-45BEF680734D}" type="slidenum">
+              <a:rPr lang="ko-KR" altLang="en-US"/>
+              <a:pPr eaLnBrk="1" hangingPunct="1"/>
+              <a:t>10</a:t>
+            </a:fld>
+            <a:endParaRPr lang="ko-KR" altLang="en-US"/>
+          </a:p>
+        </p:txBody>
+      </p:sp>
+    </p:spTree>
+    <p:extLst>
+      <p:ext uri="{BB962C8B-B14F-4D97-AF65-F5344CB8AC3E}">
+        <p14:creationId xmlns:p14="http://schemas.microsoft.com/office/powerpoint/2010/main" val="3157082317"/>
       </p:ext>
     </p:extLst>
   </p:cSld>
@@ -6145,15 +6907,7 @@
             </a:br>
             <a:r>
               <a:rPr lang="en-US" altLang="ko-KR" i="0" dirty="0" smtClean="0"/>
-              <a:t>Chapter </a:t>
-            </a:r>
-            <a:r>
-              <a:rPr lang="en-US" altLang="ko-KR" i="0" dirty="0" smtClean="0"/>
-              <a:t>19</a:t>
-            </a:r>
-            <a:r>
-              <a:rPr lang="en-US" altLang="ko-KR" i="0" dirty="0" smtClean="0"/>
-              <a:t/>
+              <a:t>Chapter 19</a:t>
             </a:r>
             <a:br>
               <a:rPr lang="en-US" altLang="ko-KR" i="0" dirty="0" smtClean="0"/>
@@ -6300,11 +7054,7 @@
             </a:pPr>
             <a:r>
               <a:rPr lang="en-US" altLang="ko-KR" sz="1200" dirty="0" smtClean="0"/>
-              <a:t> </a:t>
-            </a:r>
-            <a:r>
-              <a:rPr lang="en-US" altLang="ko-KR" sz="1200" dirty="0" smtClean="0"/>
-              <a:t>19-</a:t>
+              <a:t> 19-</a:t>
             </a:r>
             <a:fld id="{EE621CE6-D308-4D61-B822-3D065891D4D7}" type="slidenum">
               <a:rPr lang="en-US" altLang="ko-KR" sz="1200" smtClean="0">
@@ -6324,6 +7074,152 @@
         </p:txBody>
       </p:sp>
     </p:spTree>
+  </p:cSld>
+  <p:clrMapOvr>
+    <a:masterClrMapping/>
+  </p:clrMapOvr>
+  <p:timing>
+    <p:tnLst>
+      <p:par>
+        <p:cTn id="1" dur="indefinite" restart="never" nodeType="tmRoot"/>
+      </p:par>
+    </p:tnLst>
+  </p:timing>
+</p:sld>
+</file>
+
+<file path=ppt/slides/slide10.xml><?xml version="1.0" encoding="utf-8"?>
+<p:sld xmlns:a="http://schemas.openxmlformats.org/drawingml/2006/main" xmlns:r="http://schemas.openxmlformats.org/officeDocument/2006/relationships" xmlns:p="http://schemas.openxmlformats.org/presentationml/2006/main">
+  <p:cSld>
+    <p:spTree>
+      <p:nvGrpSpPr>
+        <p:cNvPr id="1" name=""/>
+        <p:cNvGrpSpPr/>
+        <p:nvPr/>
+      </p:nvGrpSpPr>
+      <p:grpSpPr>
+        <a:xfrm>
+          <a:off x="0" y="0"/>
+          <a:ext cx="0" cy="0"/>
+          <a:chOff x="0" y="0"/>
+          <a:chExt cx="0" cy="0"/>
+        </a:xfrm>
+      </p:grpSpPr>
+      <p:sp>
+        <p:nvSpPr>
+          <p:cNvPr id="17410" name="Rectangle 2"/>
+          <p:cNvSpPr>
+            <a:spLocks noGrp="1" noChangeArrowheads="1"/>
+          </p:cNvSpPr>
+          <p:nvPr>
+            <p:ph type="title"/>
+          </p:nvPr>
+        </p:nvSpPr>
+        <p:spPr>
+          <a:xfrm>
+            <a:off x="413413" y="0"/>
+            <a:ext cx="6202362" cy="1143000"/>
+          </a:xfrm>
+        </p:spPr>
+        <p:txBody>
+          <a:bodyPr/>
+          <a:lstStyle/>
+          <a:p>
+            <a:pPr algn="l" eaLnBrk="1" hangingPunct="1"/>
+            <a:r>
+              <a:rPr lang="ko-KR" altLang="en-US" sz="3600" dirty="0" smtClean="0">
+                <a:solidFill>
+                  <a:srgbClr val="143D68"/>
+                </a:solidFill>
+                <a:latin typeface="맑은 고딕" panose="020B0503020000020004" pitchFamily="50" charset="-127"/>
+                <a:ea typeface="맑은 고딕" panose="020B0503020000020004" pitchFamily="50" charset="-127"/>
+              </a:rPr>
+              <a:t>프로그램 폴더를 </a:t>
+            </a:r>
+            <a:r>
+              <a:rPr lang="ko-KR" altLang="en-US" sz="3600" dirty="0" smtClean="0">
+                <a:solidFill>
+                  <a:srgbClr val="143D68"/>
+                </a:solidFill>
+                <a:latin typeface="맑은 고딕" panose="020B0503020000020004" pitchFamily="50" charset="-127"/>
+                <a:ea typeface="맑은 고딕" panose="020B0503020000020004" pitchFamily="50" charset="-127"/>
+              </a:rPr>
+              <a:t>배포하기</a:t>
+            </a:r>
+            <a:endParaRPr lang="fr-CA" altLang="ko-KR" sz="3600" dirty="0" smtClean="0">
+              <a:solidFill>
+                <a:srgbClr val="143D68"/>
+              </a:solidFill>
+              <a:latin typeface="맑은 고딕" panose="020B0503020000020004" pitchFamily="50" charset="-127"/>
+              <a:ea typeface="맑은 고딕" panose="020B0503020000020004" pitchFamily="50" charset="-127"/>
+            </a:endParaRPr>
+          </a:p>
+        </p:txBody>
+      </p:sp>
+      <p:pic>
+        <p:nvPicPr>
+          <p:cNvPr id="2" name="그림 1"/>
+          <p:cNvPicPr>
+            <a:picLocks noChangeAspect="1"/>
+          </p:cNvPicPr>
+          <p:nvPr/>
+        </p:nvPicPr>
+        <p:blipFill>
+          <a:blip r:embed="rId3"/>
+          <a:stretch>
+            <a:fillRect/>
+          </a:stretch>
+        </p:blipFill>
+        <p:spPr>
+          <a:xfrm>
+            <a:off x="1159398" y="3444076"/>
+            <a:ext cx="7677105" cy="3268823"/>
+          </a:xfrm>
+          <a:prstGeom prst="rect">
+            <a:avLst/>
+          </a:prstGeom>
+          <a:ln>
+            <a:solidFill>
+              <a:schemeClr val="tx1"/>
+            </a:solidFill>
+          </a:ln>
+        </p:spPr>
+      </p:pic>
+      <p:pic>
+        <p:nvPicPr>
+          <p:cNvPr id="3" name="그림 2"/>
+          <p:cNvPicPr>
+            <a:picLocks noChangeAspect="1"/>
+          </p:cNvPicPr>
+          <p:nvPr/>
+        </p:nvPicPr>
+        <p:blipFill>
+          <a:blip r:embed="rId4"/>
+          <a:stretch>
+            <a:fillRect/>
+          </a:stretch>
+        </p:blipFill>
+        <p:spPr>
+          <a:xfrm>
+            <a:off x="473575" y="827146"/>
+            <a:ext cx="4524375" cy="2495550"/>
+          </a:xfrm>
+          <a:prstGeom prst="rect">
+            <a:avLst/>
+          </a:prstGeom>
+          <a:ln>
+            <a:solidFill>
+              <a:schemeClr val="tx1"/>
+            </a:solidFill>
+          </a:ln>
+        </p:spPr>
+      </p:pic>
+    </p:spTree>
+    <p:extLst>
+      <p:ext uri="{BB962C8B-B14F-4D97-AF65-F5344CB8AC3E}">
+        <p14:creationId xmlns:p14="http://schemas.microsoft.com/office/powerpoint/2010/main" val="2720692078"/>
+      </p:ext>
+    </p:extLst>
   </p:cSld>
   <p:clrMapOvr>
     <a:masterClrMapping/>
@@ -6820,11 +7716,7 @@
             </a:pPr>
             <a:r>
               <a:rPr lang="en-US" altLang="ko-KR" sz="1200" dirty="0" smtClean="0"/>
-              <a:t> </a:t>
-            </a:r>
-            <a:r>
-              <a:rPr lang="en-US" altLang="ko-KR" sz="1200" dirty="0" smtClean="0"/>
-              <a:t>19-</a:t>
+              <a:t> 19-</a:t>
             </a:r>
             <a:fld id="{3E4DFC2C-2F6B-47AF-B0FF-2D91E1CBA2C7}" type="slidenum">
               <a:rPr lang="en-US" altLang="ko-KR" sz="1200" smtClean="0">
@@ -7909,11 +8801,7 @@
             </a:pPr>
             <a:r>
               <a:rPr lang="en-US" altLang="ko-KR" sz="1200" dirty="0" smtClean="0"/>
-              <a:t> </a:t>
-            </a:r>
-            <a:r>
-              <a:rPr lang="en-US" altLang="ko-KR" sz="1200" dirty="0" smtClean="0"/>
-              <a:t>19-</a:t>
+              <a:t> 19-</a:t>
             </a:r>
             <a:r>
               <a:rPr lang="en-US" altLang="ko-KR" sz="1200" dirty="0">
@@ -8098,6 +8986,13 @@
   <p:clrMapOvr>
     <a:masterClrMapping/>
   </p:clrMapOvr>
+  <p:timing>
+    <p:tnLst>
+      <p:par>
+        <p:cTn id="1" dur="indefinite" restart="never" nodeType="tmRoot"/>
+      </p:par>
+    </p:tnLst>
+  </p:timing>
 </p:sld>
 </file>
 
@@ -8246,6 +9141,13 @@
   <p:clrMapOvr>
     <a:masterClrMapping/>
   </p:clrMapOvr>
+  <p:timing>
+    <p:tnLst>
+      <p:par>
+        <p:cTn id="1" dur="indefinite" restart="never" nodeType="tmRoot"/>
+      </p:par>
+    </p:tnLst>
+  </p:timing>
 </p:sld>
 </file>
 
@@ -8789,11 +9691,7 @@
             </a:pPr>
             <a:r>
               <a:rPr lang="en-US" altLang="ko-KR" sz="1200" dirty="0" smtClean="0"/>
-              <a:t> </a:t>
-            </a:r>
-            <a:r>
-              <a:rPr lang="en-US" altLang="ko-KR" sz="1200" dirty="0" smtClean="0"/>
-              <a:t>19-</a:t>
+              <a:t> 19-</a:t>
             </a:r>
             <a:r>
               <a:rPr lang="en-US" altLang="ko-KR" sz="1200" dirty="0">
@@ -9220,6 +10118,1050 @@
     <p:extLst>
       <p:ext uri="{BB962C8B-B14F-4D97-AF65-F5344CB8AC3E}">
         <p14:creationId xmlns:p14="http://schemas.microsoft.com/office/powerpoint/2010/main" val="3948688900"/>
+      </p:ext>
+    </p:extLst>
+  </p:cSld>
+  <p:clrMapOvr>
+    <a:masterClrMapping/>
+  </p:clrMapOvr>
+  <p:timing>
+    <p:tnLst>
+      <p:par>
+        <p:cTn id="1" dur="indefinite" restart="never" nodeType="tmRoot"/>
+      </p:par>
+    </p:tnLst>
+  </p:timing>
+</p:sld>
+</file>
+
+<file path=ppt/slides/slide8.xml><?xml version="1.0" encoding="utf-8"?>
+<p:sld xmlns:a="http://schemas.openxmlformats.org/drawingml/2006/main" xmlns:r="http://schemas.openxmlformats.org/officeDocument/2006/relationships" xmlns:p="http://schemas.openxmlformats.org/presentationml/2006/main">
+  <p:cSld>
+    <p:spTree>
+      <p:nvGrpSpPr>
+        <p:cNvPr id="1" name=""/>
+        <p:cNvGrpSpPr/>
+        <p:nvPr/>
+      </p:nvGrpSpPr>
+      <p:grpSpPr>
+        <a:xfrm>
+          <a:off x="0" y="0"/>
+          <a:ext cx="0" cy="0"/>
+          <a:chOff x="0" y="0"/>
+          <a:chExt cx="0" cy="0"/>
+        </a:xfrm>
+      </p:grpSpPr>
+      <p:sp>
+        <p:nvSpPr>
+          <p:cNvPr id="17410" name="Rectangle 2"/>
+          <p:cNvSpPr>
+            <a:spLocks noGrp="1" noChangeArrowheads="1"/>
+          </p:cNvSpPr>
+          <p:nvPr>
+            <p:ph type="title"/>
+          </p:nvPr>
+        </p:nvSpPr>
+        <p:spPr>
+          <a:xfrm>
+            <a:off x="413413" y="0"/>
+            <a:ext cx="6202362" cy="1143000"/>
+          </a:xfrm>
+        </p:spPr>
+        <p:txBody>
+          <a:bodyPr/>
+          <a:lstStyle/>
+          <a:p>
+            <a:pPr algn="l" eaLnBrk="1" hangingPunct="1"/>
+            <a:r>
+              <a:rPr lang="ko-KR" altLang="en-US" sz="3600" dirty="0" smtClean="0">
+                <a:solidFill>
+                  <a:srgbClr val="143D68"/>
+                </a:solidFill>
+                <a:latin typeface="맑은 고딕" panose="020B0503020000020004" pitchFamily="50" charset="-127"/>
+                <a:ea typeface="맑은 고딕" panose="020B0503020000020004" pitchFamily="50" charset="-127"/>
+              </a:rPr>
+              <a:t>프로그램 폴더를 </a:t>
+            </a:r>
+            <a:r>
+              <a:rPr lang="ko-KR" altLang="en-US" sz="3600" dirty="0" smtClean="0">
+                <a:solidFill>
+                  <a:srgbClr val="143D68"/>
+                </a:solidFill>
+                <a:latin typeface="맑은 고딕" panose="020B0503020000020004" pitchFamily="50" charset="-127"/>
+                <a:ea typeface="맑은 고딕" panose="020B0503020000020004" pitchFamily="50" charset="-127"/>
+              </a:rPr>
+              <a:t>배포하기</a:t>
+            </a:r>
+            <a:endParaRPr lang="fr-CA" altLang="ko-KR" sz="3600" dirty="0" smtClean="0">
+              <a:solidFill>
+                <a:srgbClr val="143D68"/>
+              </a:solidFill>
+              <a:latin typeface="맑은 고딕" panose="020B0503020000020004" pitchFamily="50" charset="-127"/>
+              <a:ea typeface="맑은 고딕" panose="020B0503020000020004" pitchFamily="50" charset="-127"/>
+            </a:endParaRPr>
+          </a:p>
+        </p:txBody>
+      </p:sp>
+      <p:sp>
+        <p:nvSpPr>
+          <p:cNvPr id="7" name="Rectangle 3"/>
+          <p:cNvSpPr txBox="1">
+            <a:spLocks noChangeArrowheads="1"/>
+          </p:cNvSpPr>
+          <p:nvPr/>
+        </p:nvSpPr>
+        <p:spPr bwMode="auto">
+          <a:xfrm>
+            <a:off x="584863" y="1053301"/>
+            <a:ext cx="6202362" cy="5143500"/>
+          </a:xfrm>
+          <a:prstGeom prst="rect">
+            <a:avLst/>
+          </a:prstGeom>
+          <a:noFill/>
+          <a:ln w="9525">
+            <a:noFill/>
+            <a:miter lim="800000"/>
+            <a:headEnd/>
+            <a:tailEnd/>
+          </a:ln>
+          <a:effectLst/>
+        </p:spPr>
+        <p:txBody>
+          <a:bodyPr/>
+          <a:lstStyle/>
+          <a:p>
+            <a:pPr marL="342900" indent="-342900" latinLnBrk="0">
+              <a:spcBef>
+                <a:spcPct val="20000"/>
+              </a:spcBef>
+              <a:buFont typeface="Arial" charset="0"/>
+              <a:buChar char="•"/>
+              <a:defRPr/>
+            </a:pPr>
+            <a:r>
+              <a:rPr kumimoji="0" lang="ko-KR" altLang="en-US" sz="2000" kern="0" dirty="0">
+                <a:solidFill>
+                  <a:srgbClr val="143D68"/>
+                </a:solidFill>
+                <a:latin typeface="맑은 고딕" pitchFamily="50" charset="-127"/>
+                <a:ea typeface="맑은 고딕" pitchFamily="50" charset="-127"/>
+              </a:rPr>
+              <a:t>개발한 </a:t>
+            </a:r>
+            <a:r>
+              <a:rPr kumimoji="0" lang="ko-KR" altLang="en-US" sz="2000" kern="0" dirty="0" smtClean="0">
+                <a:solidFill>
+                  <a:srgbClr val="143D68"/>
+                </a:solidFill>
+                <a:latin typeface="맑은 고딕" pitchFamily="50" charset="-127"/>
+                <a:ea typeface="맑은 고딕" pitchFamily="50" charset="-127"/>
+              </a:rPr>
+              <a:t>프로그램 폴더를 배포할 때</a:t>
+            </a:r>
+            <a:r>
+              <a:rPr kumimoji="0" lang="en-US" altLang="ko-KR" sz="2000" kern="0" dirty="0" smtClean="0">
+                <a:solidFill>
+                  <a:srgbClr val="143D68"/>
+                </a:solidFill>
+                <a:latin typeface="맑은 고딕" pitchFamily="50" charset="-127"/>
+                <a:ea typeface="맑은 고딕" pitchFamily="50" charset="-127"/>
+              </a:rPr>
+              <a:t>.</a:t>
+            </a:r>
+            <a:endParaRPr kumimoji="0" lang="en-US" altLang="ko-KR" sz="2000" kern="0" dirty="0">
+              <a:solidFill>
+                <a:srgbClr val="143D68"/>
+              </a:solidFill>
+              <a:latin typeface="맑은 고딕" pitchFamily="50" charset="-127"/>
+              <a:ea typeface="맑은 고딕" pitchFamily="50" charset="-127"/>
+            </a:endParaRPr>
+          </a:p>
+          <a:p>
+            <a:pPr marL="342900" indent="-342900" latinLnBrk="0">
+              <a:spcBef>
+                <a:spcPct val="20000"/>
+              </a:spcBef>
+              <a:buFont typeface="Arial" charset="0"/>
+              <a:buChar char="•"/>
+              <a:defRPr/>
+            </a:pPr>
+            <a:r>
+              <a:rPr kumimoji="0" lang="en-US" altLang="ko-KR" sz="2000" kern="0" dirty="0">
+                <a:solidFill>
+                  <a:srgbClr val="143D68"/>
+                </a:solidFill>
+                <a:latin typeface="맑은 고딕" pitchFamily="50" charset="-127"/>
+                <a:ea typeface="맑은 고딕" pitchFamily="50" charset="-127"/>
+              </a:rPr>
+              <a:t>Packages</a:t>
+            </a:r>
+            <a:r>
+              <a:rPr kumimoji="0" lang="ko-KR" altLang="en-US" sz="2000" kern="0" dirty="0">
+                <a:solidFill>
+                  <a:srgbClr val="143D68"/>
+                </a:solidFill>
+                <a:latin typeface="맑은 고딕" pitchFamily="50" charset="-127"/>
+                <a:ea typeface="맑은 고딕" pitchFamily="50" charset="-127"/>
+              </a:rPr>
+              <a:t> 인수를 사용해서 배포 할 수 있다</a:t>
+            </a:r>
+            <a:r>
+              <a:rPr kumimoji="0" lang="en-US" altLang="ko-KR" sz="2000" kern="0" dirty="0">
+                <a:solidFill>
+                  <a:srgbClr val="143D68"/>
+                </a:solidFill>
+                <a:latin typeface="맑은 고딕" pitchFamily="50" charset="-127"/>
+                <a:ea typeface="맑은 고딕" pitchFamily="50" charset="-127"/>
+              </a:rPr>
+              <a:t>.</a:t>
+            </a:r>
+          </a:p>
+          <a:p>
+            <a:pPr marL="342900" indent="-342900" latinLnBrk="0">
+              <a:spcBef>
+                <a:spcPct val="20000"/>
+              </a:spcBef>
+              <a:buFont typeface="Arial" charset="0"/>
+              <a:buChar char="•"/>
+              <a:defRPr/>
+            </a:pPr>
+            <a:endParaRPr kumimoji="0" lang="en-US" altLang="ko-KR" sz="2000" kern="0" dirty="0">
+              <a:solidFill>
+                <a:srgbClr val="143D68"/>
+              </a:solidFill>
+              <a:latin typeface="맑은 고딕" pitchFamily="50" charset="-127"/>
+              <a:ea typeface="맑은 고딕" pitchFamily="50" charset="-127"/>
+            </a:endParaRPr>
+          </a:p>
+          <a:p>
+            <a:pPr marL="342900" indent="-342900" latinLnBrk="0">
+              <a:spcBef>
+                <a:spcPct val="20000"/>
+              </a:spcBef>
+              <a:defRPr/>
+            </a:pPr>
+            <a:endParaRPr kumimoji="0" lang="en-US" altLang="ko-KR" sz="2000" kern="0" dirty="0">
+              <a:solidFill>
+                <a:srgbClr val="143D68"/>
+              </a:solidFill>
+              <a:latin typeface="맑은 고딕" pitchFamily="50" charset="-127"/>
+              <a:ea typeface="맑은 고딕" pitchFamily="50" charset="-127"/>
+            </a:endParaRPr>
+          </a:p>
+          <a:p>
+            <a:pPr marL="342900" indent="-342900" latinLnBrk="0">
+              <a:spcBef>
+                <a:spcPct val="20000"/>
+              </a:spcBef>
+              <a:buFontTx/>
+              <a:buChar char="•"/>
+              <a:defRPr/>
+            </a:pPr>
+            <a:r>
+              <a:rPr kumimoji="0" lang="en-US" altLang="ko-KR" sz="2000" kern="0" dirty="0">
+                <a:solidFill>
+                  <a:srgbClr val="143D68"/>
+                </a:solidFill>
+                <a:latin typeface="맑은 고딕" pitchFamily="50" charset="-127"/>
+                <a:ea typeface="맑은 고딕" pitchFamily="50" charset="-127"/>
+              </a:rPr>
+              <a:t>from </a:t>
+            </a:r>
+            <a:r>
+              <a:rPr kumimoji="0" lang="en-US" altLang="ko-KR" sz="2000" kern="0" dirty="0" err="1">
+                <a:solidFill>
+                  <a:srgbClr val="143D68"/>
+                </a:solidFill>
+                <a:latin typeface="맑은 고딕" pitchFamily="50" charset="-127"/>
+                <a:ea typeface="맑은 고딕" pitchFamily="50" charset="-127"/>
+              </a:rPr>
+              <a:t>distutils.core</a:t>
+            </a:r>
+            <a:r>
+              <a:rPr kumimoji="0" lang="en-US" altLang="ko-KR" sz="2000" kern="0" dirty="0">
+                <a:solidFill>
+                  <a:srgbClr val="143D68"/>
+                </a:solidFill>
+                <a:latin typeface="맑은 고딕" pitchFamily="50" charset="-127"/>
+                <a:ea typeface="맑은 고딕" pitchFamily="50" charset="-127"/>
+              </a:rPr>
+              <a:t> import setup, Extension</a:t>
+            </a:r>
+          </a:p>
+          <a:p>
+            <a:pPr marL="342900" indent="-342900" latinLnBrk="0">
+              <a:spcBef>
+                <a:spcPct val="20000"/>
+              </a:spcBef>
+              <a:buFontTx/>
+              <a:buChar char="•"/>
+              <a:defRPr/>
+            </a:pPr>
+            <a:r>
+              <a:rPr kumimoji="0" lang="en-US" altLang="ko-KR" sz="2000" kern="0" dirty="0">
+                <a:solidFill>
+                  <a:srgbClr val="143D68"/>
+                </a:solidFill>
+                <a:latin typeface="맑은 고딕" pitchFamily="50" charset="-127"/>
+                <a:ea typeface="맑은 고딕" pitchFamily="50" charset="-127"/>
+              </a:rPr>
+              <a:t>setup(name='book',</a:t>
+            </a:r>
+          </a:p>
+          <a:p>
+            <a:pPr marL="342900" indent="-342900" latinLnBrk="0">
+              <a:spcBef>
+                <a:spcPct val="20000"/>
+              </a:spcBef>
+              <a:buFontTx/>
+              <a:buChar char="•"/>
+              <a:defRPr/>
+            </a:pPr>
+            <a:r>
+              <a:rPr kumimoji="0" lang="en-US" altLang="ko-KR" sz="2000" kern="0" dirty="0">
+                <a:solidFill>
+                  <a:srgbClr val="143D68"/>
+                </a:solidFill>
+                <a:latin typeface="맑은 고딕" pitchFamily="50" charset="-127"/>
+                <a:ea typeface="맑은 고딕" pitchFamily="50" charset="-127"/>
+              </a:rPr>
+              <a:t>version='1.0',</a:t>
+            </a:r>
+          </a:p>
+          <a:p>
+            <a:pPr marL="342900" indent="-342900" latinLnBrk="0">
+              <a:spcBef>
+                <a:spcPct val="20000"/>
+              </a:spcBef>
+              <a:buFontTx/>
+              <a:buChar char="•"/>
+              <a:defRPr/>
+            </a:pPr>
+            <a:r>
+              <a:rPr kumimoji="0" lang="en-US" altLang="ko-KR" sz="2000" kern="0" dirty="0">
+                <a:solidFill>
+                  <a:srgbClr val="143D68"/>
+                </a:solidFill>
+                <a:latin typeface="맑은 고딕" pitchFamily="50" charset="-127"/>
+                <a:ea typeface="맑은 고딕" pitchFamily="50" charset="-127"/>
+              </a:rPr>
+              <a:t>classifiers = [ 'book'],</a:t>
+            </a:r>
+          </a:p>
+          <a:p>
+            <a:pPr marL="342900" indent="-342900" latinLnBrk="0">
+              <a:spcBef>
+                <a:spcPct val="20000"/>
+              </a:spcBef>
+              <a:buFontTx/>
+              <a:buChar char="•"/>
+              <a:defRPr/>
+            </a:pPr>
+            <a:r>
+              <a:rPr kumimoji="0" lang="en-US" altLang="ko-KR" sz="2000" kern="0" dirty="0">
+                <a:solidFill>
+                  <a:srgbClr val="143D68"/>
+                </a:solidFill>
+                <a:latin typeface="맑은 고딕" pitchFamily="50" charset="-127"/>
+                <a:ea typeface="맑은 고딕" pitchFamily="50" charset="-127"/>
+              </a:rPr>
+              <a:t>packages=['book'],</a:t>
+            </a:r>
+          </a:p>
+          <a:p>
+            <a:pPr marL="342900" indent="-342900" latinLnBrk="0">
+              <a:spcBef>
+                <a:spcPct val="20000"/>
+              </a:spcBef>
+              <a:buFontTx/>
+              <a:buChar char="•"/>
+              <a:defRPr/>
+            </a:pPr>
+            <a:r>
+              <a:rPr kumimoji="0" lang="en-US" altLang="ko-KR" sz="2000" kern="0" dirty="0" smtClean="0">
+                <a:solidFill>
+                  <a:srgbClr val="143D68"/>
+                </a:solidFill>
+                <a:latin typeface="맑은 고딕" pitchFamily="50" charset="-127"/>
+                <a:ea typeface="맑은 고딕" pitchFamily="50" charset="-127"/>
+              </a:rPr>
+              <a:t>)</a:t>
+            </a:r>
+          </a:p>
+          <a:p>
+            <a:pPr marL="342900" indent="-342900" latinLnBrk="0">
+              <a:spcBef>
+                <a:spcPct val="20000"/>
+              </a:spcBef>
+              <a:buFontTx/>
+              <a:buChar char="•"/>
+              <a:defRPr/>
+            </a:pPr>
+            <a:endParaRPr kumimoji="0" lang="en-US" altLang="ko-KR" sz="2000" kern="0" dirty="0">
+              <a:solidFill>
+                <a:srgbClr val="143D68"/>
+              </a:solidFill>
+              <a:latin typeface="맑은 고딕" pitchFamily="50" charset="-127"/>
+              <a:ea typeface="맑은 고딕" pitchFamily="50" charset="-127"/>
+            </a:endParaRPr>
+          </a:p>
+          <a:p>
+            <a:pPr marL="342900" indent="-342900" latinLnBrk="0">
+              <a:spcBef>
+                <a:spcPct val="20000"/>
+              </a:spcBef>
+              <a:buFontTx/>
+              <a:buChar char="•"/>
+              <a:defRPr/>
+            </a:pPr>
+            <a:r>
+              <a:rPr kumimoji="0" lang="en-US" altLang="ko-KR" sz="2000" kern="0" dirty="0" smtClean="0">
+                <a:solidFill>
+                  <a:srgbClr val="143D68"/>
+                </a:solidFill>
+                <a:latin typeface="맑은 고딕" pitchFamily="50" charset="-127"/>
+                <a:ea typeface="맑은 고딕" pitchFamily="50" charset="-127"/>
+              </a:rPr>
+              <a:t>C:\python.exe setup.py </a:t>
+            </a:r>
+            <a:r>
+              <a:rPr kumimoji="0" lang="en-US" altLang="ko-KR" sz="2000" kern="0" dirty="0" err="1" smtClean="0">
+                <a:solidFill>
+                  <a:srgbClr val="143D68"/>
+                </a:solidFill>
+                <a:latin typeface="맑은 고딕" pitchFamily="50" charset="-127"/>
+                <a:ea typeface="맑은 고딕" pitchFamily="50" charset="-127"/>
+              </a:rPr>
+              <a:t>sdist</a:t>
+            </a:r>
+            <a:endParaRPr kumimoji="0" lang="en-US" altLang="ko-KR" sz="2000" kern="0" dirty="0">
+              <a:solidFill>
+                <a:srgbClr val="143D68"/>
+              </a:solidFill>
+              <a:latin typeface="맑은 고딕" pitchFamily="50" charset="-127"/>
+              <a:ea typeface="맑은 고딕" pitchFamily="50" charset="-127"/>
+            </a:endParaRPr>
+          </a:p>
+          <a:p>
+            <a:pPr marL="342900" indent="-342900" latinLnBrk="0">
+              <a:spcBef>
+                <a:spcPct val="20000"/>
+              </a:spcBef>
+              <a:defRPr/>
+            </a:pPr>
+            <a:endParaRPr kumimoji="0" lang="en-US" altLang="ko-KR" sz="2000" kern="0" dirty="0">
+              <a:solidFill>
+                <a:srgbClr val="143D68"/>
+              </a:solidFill>
+              <a:latin typeface="맑은 고딕" pitchFamily="50" charset="-127"/>
+              <a:ea typeface="맑은 고딕" pitchFamily="50" charset="-127"/>
+            </a:endParaRPr>
+          </a:p>
+          <a:p>
+            <a:pPr marL="342900" indent="-342900" latinLnBrk="0">
+              <a:spcBef>
+                <a:spcPct val="20000"/>
+              </a:spcBef>
+              <a:buFontTx/>
+              <a:buChar char="•"/>
+              <a:defRPr/>
+            </a:pPr>
+            <a:endParaRPr kumimoji="0" lang="en-US" altLang="ko-KR" sz="2000" kern="0" dirty="0">
+              <a:solidFill>
+                <a:srgbClr val="143D68"/>
+              </a:solidFill>
+              <a:latin typeface="맑은 고딕" pitchFamily="50" charset="-127"/>
+              <a:ea typeface="맑은 고딕" pitchFamily="50" charset="-127"/>
+            </a:endParaRPr>
+          </a:p>
+          <a:p>
+            <a:pPr marL="800100" lvl="1" indent="-342900" latinLnBrk="0">
+              <a:spcBef>
+                <a:spcPct val="20000"/>
+              </a:spcBef>
+              <a:defRPr/>
+            </a:pPr>
+            <a:endParaRPr kumimoji="0" lang="en-US" altLang="ko-KR" sz="2000" kern="0" dirty="0">
+              <a:solidFill>
+                <a:srgbClr val="143D68"/>
+              </a:solidFill>
+              <a:latin typeface="맑은 고딕" pitchFamily="50" charset="-127"/>
+              <a:ea typeface="맑은 고딕" pitchFamily="50" charset="-127"/>
+            </a:endParaRPr>
+          </a:p>
+          <a:p>
+            <a:pPr marL="342900" indent="-342900" latinLnBrk="0">
+              <a:spcBef>
+                <a:spcPct val="20000"/>
+              </a:spcBef>
+              <a:buFontTx/>
+              <a:buChar char="•"/>
+              <a:defRPr/>
+            </a:pPr>
+            <a:endParaRPr kumimoji="0" lang="fr-CA" sz="2000" kern="0" dirty="0">
+              <a:solidFill>
+                <a:srgbClr val="143D68"/>
+              </a:solidFill>
+              <a:latin typeface="맑은 고딕" pitchFamily="50" charset="-127"/>
+              <a:ea typeface="맑은 고딕" pitchFamily="50" charset="-127"/>
+            </a:endParaRPr>
+          </a:p>
+        </p:txBody>
+      </p:sp>
+      <p:pic>
+        <p:nvPicPr>
+          <p:cNvPr id="2" name="그림 1"/>
+          <p:cNvPicPr>
+            <a:picLocks noChangeAspect="1"/>
+          </p:cNvPicPr>
+          <p:nvPr/>
+        </p:nvPicPr>
+        <p:blipFill>
+          <a:blip r:embed="rId3"/>
+          <a:stretch>
+            <a:fillRect/>
+          </a:stretch>
+        </p:blipFill>
+        <p:spPr>
+          <a:xfrm>
+            <a:off x="-561975" y="1243012"/>
+            <a:ext cx="10267950" cy="4371975"/>
+          </a:xfrm>
+          <a:prstGeom prst="rect">
+            <a:avLst/>
+          </a:prstGeom>
+        </p:spPr>
+      </p:pic>
+    </p:spTree>
+    <p:extLst>
+      <p:ext uri="{BB962C8B-B14F-4D97-AF65-F5344CB8AC3E}">
+        <p14:creationId xmlns:p14="http://schemas.microsoft.com/office/powerpoint/2010/main" val="4123305204"/>
+      </p:ext>
+    </p:extLst>
+  </p:cSld>
+  <p:clrMapOvr>
+    <a:masterClrMapping/>
+  </p:clrMapOvr>
+  <p:timing>
+    <p:tnLst>
+      <p:par>
+        <p:cTn id="1" dur="indefinite" restart="never" nodeType="tmRoot"/>
+      </p:par>
+    </p:tnLst>
+  </p:timing>
+</p:sld>
+</file>
+
+<file path=ppt/slides/slide9.xml><?xml version="1.0" encoding="utf-8"?>
+<p:sld xmlns:a="http://schemas.openxmlformats.org/drawingml/2006/main" xmlns:r="http://schemas.openxmlformats.org/officeDocument/2006/relationships" xmlns:p="http://schemas.openxmlformats.org/presentationml/2006/main">
+  <p:cSld>
+    <p:spTree>
+      <p:nvGrpSpPr>
+        <p:cNvPr id="1" name=""/>
+        <p:cNvGrpSpPr/>
+        <p:nvPr/>
+      </p:nvGrpSpPr>
+      <p:grpSpPr>
+        <a:xfrm>
+          <a:off x="0" y="0"/>
+          <a:ext cx="0" cy="0"/>
+          <a:chOff x="0" y="0"/>
+          <a:chExt cx="0" cy="0"/>
+        </a:xfrm>
+      </p:grpSpPr>
+      <p:sp>
+        <p:nvSpPr>
+          <p:cNvPr id="17410" name="Rectangle 2"/>
+          <p:cNvSpPr>
+            <a:spLocks noGrp="1" noChangeArrowheads="1"/>
+          </p:cNvSpPr>
+          <p:nvPr>
+            <p:ph type="title"/>
+          </p:nvPr>
+        </p:nvSpPr>
+        <p:spPr>
+          <a:xfrm>
+            <a:off x="413413" y="0"/>
+            <a:ext cx="6202362" cy="1143000"/>
+          </a:xfrm>
+        </p:spPr>
+        <p:txBody>
+          <a:bodyPr/>
+          <a:lstStyle/>
+          <a:p>
+            <a:pPr algn="l" eaLnBrk="1" hangingPunct="1"/>
+            <a:r>
+              <a:rPr lang="ko-KR" altLang="en-US" sz="3600" dirty="0" smtClean="0">
+                <a:solidFill>
+                  <a:srgbClr val="143D68"/>
+                </a:solidFill>
+                <a:latin typeface="맑은 고딕" panose="020B0503020000020004" pitchFamily="50" charset="-127"/>
+                <a:ea typeface="맑은 고딕" panose="020B0503020000020004" pitchFamily="50" charset="-127"/>
+              </a:rPr>
+              <a:t>프로그램 폴더를 </a:t>
+            </a:r>
+            <a:r>
+              <a:rPr lang="ko-KR" altLang="en-US" sz="3600" dirty="0" smtClean="0">
+                <a:solidFill>
+                  <a:srgbClr val="143D68"/>
+                </a:solidFill>
+                <a:latin typeface="맑은 고딕" panose="020B0503020000020004" pitchFamily="50" charset="-127"/>
+                <a:ea typeface="맑은 고딕" panose="020B0503020000020004" pitchFamily="50" charset="-127"/>
+              </a:rPr>
+              <a:t>배포하기</a:t>
+            </a:r>
+            <a:endParaRPr lang="fr-CA" altLang="ko-KR" sz="3600" dirty="0" smtClean="0">
+              <a:solidFill>
+                <a:srgbClr val="143D68"/>
+              </a:solidFill>
+              <a:latin typeface="맑은 고딕" panose="020B0503020000020004" pitchFamily="50" charset="-127"/>
+              <a:ea typeface="맑은 고딕" panose="020B0503020000020004" pitchFamily="50" charset="-127"/>
+            </a:endParaRPr>
+          </a:p>
+        </p:txBody>
+      </p:sp>
+      <p:sp>
+        <p:nvSpPr>
+          <p:cNvPr id="7" name="Rectangle 3"/>
+          <p:cNvSpPr txBox="1">
+            <a:spLocks noChangeArrowheads="1"/>
+          </p:cNvSpPr>
+          <p:nvPr/>
+        </p:nvSpPr>
+        <p:spPr bwMode="auto">
+          <a:xfrm>
+            <a:off x="584863" y="1053301"/>
+            <a:ext cx="6202362" cy="5143500"/>
+          </a:xfrm>
+          <a:prstGeom prst="rect">
+            <a:avLst/>
+          </a:prstGeom>
+          <a:noFill/>
+          <a:ln w="9525">
+            <a:noFill/>
+            <a:miter lim="800000"/>
+            <a:headEnd/>
+            <a:tailEnd/>
+          </a:ln>
+          <a:effectLst/>
+        </p:spPr>
+        <p:txBody>
+          <a:bodyPr/>
+          <a:lstStyle/>
+          <a:p>
+            <a:pPr marL="342900" indent="-342900" latinLnBrk="0">
+              <a:spcBef>
+                <a:spcPct val="20000"/>
+              </a:spcBef>
+              <a:buFont typeface="Arial" charset="0"/>
+              <a:buChar char="•"/>
+              <a:defRPr/>
+            </a:pPr>
+            <a:r>
+              <a:rPr kumimoji="0" lang="ko-KR" altLang="en-US" sz="2000" kern="0" dirty="0">
+                <a:solidFill>
+                  <a:srgbClr val="143D68"/>
+                </a:solidFill>
+                <a:latin typeface="맑은 고딕" pitchFamily="50" charset="-127"/>
+                <a:ea typeface="맑은 고딕" pitchFamily="50" charset="-127"/>
+              </a:rPr>
+              <a:t>개발한 </a:t>
+            </a:r>
+            <a:r>
+              <a:rPr kumimoji="0" lang="ko-KR" altLang="en-US" sz="2000" kern="0" dirty="0" smtClean="0">
+                <a:solidFill>
+                  <a:srgbClr val="143D68"/>
+                </a:solidFill>
+                <a:latin typeface="맑은 고딕" pitchFamily="50" charset="-127"/>
+                <a:ea typeface="맑은 고딕" pitchFamily="50" charset="-127"/>
+              </a:rPr>
+              <a:t>프로그램 폴더를 배포할 때</a:t>
+            </a:r>
+            <a:r>
+              <a:rPr kumimoji="0" lang="en-US" altLang="ko-KR" sz="2000" kern="0" dirty="0" smtClean="0">
+                <a:solidFill>
+                  <a:srgbClr val="143D68"/>
+                </a:solidFill>
+                <a:latin typeface="맑은 고딕" pitchFamily="50" charset="-127"/>
+                <a:ea typeface="맑은 고딕" pitchFamily="50" charset="-127"/>
+              </a:rPr>
+              <a:t>.</a:t>
+            </a:r>
+            <a:endParaRPr kumimoji="0" lang="en-US" altLang="ko-KR" sz="2000" kern="0" dirty="0">
+              <a:solidFill>
+                <a:srgbClr val="143D68"/>
+              </a:solidFill>
+              <a:latin typeface="맑은 고딕" pitchFamily="50" charset="-127"/>
+              <a:ea typeface="맑은 고딕" pitchFamily="50" charset="-127"/>
+            </a:endParaRPr>
+          </a:p>
+          <a:p>
+            <a:pPr marL="342900" indent="-342900" latinLnBrk="0">
+              <a:spcBef>
+                <a:spcPct val="20000"/>
+              </a:spcBef>
+              <a:buFont typeface="Arial" charset="0"/>
+              <a:buChar char="•"/>
+              <a:defRPr/>
+            </a:pPr>
+            <a:r>
+              <a:rPr kumimoji="0" lang="en-US" altLang="ko-KR" sz="2000" kern="0" dirty="0" smtClean="0">
+                <a:solidFill>
+                  <a:srgbClr val="143D68"/>
+                </a:solidFill>
+                <a:latin typeface="맑은 고딕" pitchFamily="50" charset="-127"/>
+                <a:ea typeface="맑은 고딕" pitchFamily="50" charset="-127"/>
+              </a:rPr>
+              <a:t>setup.py </a:t>
+            </a:r>
+            <a:r>
+              <a:rPr kumimoji="0" lang="ko-KR" altLang="en-US" sz="2000" kern="0" dirty="0" smtClean="0">
+                <a:solidFill>
+                  <a:srgbClr val="143D68"/>
+                </a:solidFill>
+                <a:latin typeface="맑은 고딕" pitchFamily="50" charset="-127"/>
+                <a:ea typeface="맑은 고딕" pitchFamily="50" charset="-127"/>
+              </a:rPr>
+              <a:t>을 </a:t>
+            </a:r>
+            <a:r>
+              <a:rPr kumimoji="0" lang="en-US" altLang="ko-KR" sz="2000" kern="0" dirty="0" smtClean="0">
+                <a:solidFill>
+                  <a:srgbClr val="143D68"/>
+                </a:solidFill>
+                <a:latin typeface="맑은 고딕" pitchFamily="50" charset="-127"/>
+                <a:ea typeface="맑은 고딕" pitchFamily="50" charset="-127"/>
+              </a:rPr>
+              <a:t>Packages</a:t>
+            </a:r>
+            <a:r>
+              <a:rPr kumimoji="0" lang="ko-KR" altLang="en-US" sz="2000" kern="0" dirty="0" smtClean="0">
+                <a:solidFill>
+                  <a:srgbClr val="143D68"/>
+                </a:solidFill>
+                <a:latin typeface="맑은 고딕" pitchFamily="50" charset="-127"/>
+                <a:ea typeface="맑은 고딕" pitchFamily="50" charset="-127"/>
+              </a:rPr>
+              <a:t> </a:t>
+            </a:r>
+            <a:r>
+              <a:rPr kumimoji="0" lang="ko-KR" altLang="en-US" sz="2000" kern="0" dirty="0">
+                <a:solidFill>
+                  <a:srgbClr val="143D68"/>
+                </a:solidFill>
+                <a:latin typeface="맑은 고딕" pitchFamily="50" charset="-127"/>
+                <a:ea typeface="맑은 고딕" pitchFamily="50" charset="-127"/>
+              </a:rPr>
+              <a:t>인수를 사용해서 배포 할 수 있다</a:t>
+            </a:r>
+            <a:r>
+              <a:rPr kumimoji="0" lang="en-US" altLang="ko-KR" sz="2000" kern="0" dirty="0">
+                <a:solidFill>
+                  <a:srgbClr val="143D68"/>
+                </a:solidFill>
+                <a:latin typeface="맑은 고딕" pitchFamily="50" charset="-127"/>
+                <a:ea typeface="맑은 고딕" pitchFamily="50" charset="-127"/>
+              </a:rPr>
+              <a:t>.</a:t>
+            </a:r>
+          </a:p>
+          <a:p>
+            <a:pPr marL="342900" indent="-342900" latinLnBrk="0">
+              <a:spcBef>
+                <a:spcPct val="20000"/>
+              </a:spcBef>
+              <a:buFont typeface="Arial" charset="0"/>
+              <a:buChar char="•"/>
+              <a:defRPr/>
+            </a:pPr>
+            <a:endParaRPr kumimoji="0" lang="en-US" altLang="ko-KR" sz="2000" kern="0" dirty="0">
+              <a:solidFill>
+                <a:srgbClr val="143D68"/>
+              </a:solidFill>
+              <a:latin typeface="맑은 고딕" pitchFamily="50" charset="-127"/>
+              <a:ea typeface="맑은 고딕" pitchFamily="50" charset="-127"/>
+            </a:endParaRPr>
+          </a:p>
+          <a:p>
+            <a:pPr marL="342900" indent="-342900" latinLnBrk="0">
+              <a:spcBef>
+                <a:spcPct val="20000"/>
+              </a:spcBef>
+              <a:defRPr/>
+            </a:pPr>
+            <a:endParaRPr kumimoji="0" lang="en-US" altLang="ko-KR" sz="2000" kern="0" dirty="0">
+              <a:solidFill>
+                <a:srgbClr val="143D68"/>
+              </a:solidFill>
+              <a:latin typeface="맑은 고딕" pitchFamily="50" charset="-127"/>
+              <a:ea typeface="맑은 고딕" pitchFamily="50" charset="-127"/>
+            </a:endParaRPr>
+          </a:p>
+          <a:p>
+            <a:pPr marL="342900" indent="-342900" latinLnBrk="0">
+              <a:spcBef>
+                <a:spcPct val="20000"/>
+              </a:spcBef>
+              <a:buFontTx/>
+              <a:buChar char="•"/>
+              <a:defRPr/>
+            </a:pPr>
+            <a:r>
+              <a:rPr kumimoji="0" lang="en-US" altLang="ko-KR" sz="2000" kern="0" dirty="0">
+                <a:solidFill>
+                  <a:srgbClr val="143D68"/>
+                </a:solidFill>
+                <a:latin typeface="맑은 고딕" pitchFamily="50" charset="-127"/>
+                <a:ea typeface="맑은 고딕" pitchFamily="50" charset="-127"/>
+              </a:rPr>
+              <a:t>from </a:t>
+            </a:r>
+            <a:r>
+              <a:rPr kumimoji="0" lang="en-US" altLang="ko-KR" sz="2000" kern="0" dirty="0" err="1">
+                <a:solidFill>
+                  <a:srgbClr val="143D68"/>
+                </a:solidFill>
+                <a:latin typeface="맑은 고딕" pitchFamily="50" charset="-127"/>
+                <a:ea typeface="맑은 고딕" pitchFamily="50" charset="-127"/>
+              </a:rPr>
+              <a:t>distutils.core</a:t>
+            </a:r>
+            <a:r>
+              <a:rPr kumimoji="0" lang="en-US" altLang="ko-KR" sz="2000" kern="0" dirty="0">
+                <a:solidFill>
+                  <a:srgbClr val="143D68"/>
+                </a:solidFill>
+                <a:latin typeface="맑은 고딕" pitchFamily="50" charset="-127"/>
+                <a:ea typeface="맑은 고딕" pitchFamily="50" charset="-127"/>
+              </a:rPr>
+              <a:t> import setup, Extension</a:t>
+            </a:r>
+          </a:p>
+          <a:p>
+            <a:pPr marL="342900" indent="-342900" latinLnBrk="0">
+              <a:spcBef>
+                <a:spcPct val="20000"/>
+              </a:spcBef>
+              <a:buFontTx/>
+              <a:buChar char="•"/>
+              <a:defRPr/>
+            </a:pPr>
+            <a:r>
+              <a:rPr kumimoji="0" lang="en-US" altLang="ko-KR" sz="2000" kern="0" dirty="0">
+                <a:solidFill>
+                  <a:srgbClr val="143D68"/>
+                </a:solidFill>
+                <a:latin typeface="맑은 고딕" pitchFamily="50" charset="-127"/>
+                <a:ea typeface="맑은 고딕" pitchFamily="50" charset="-127"/>
+              </a:rPr>
+              <a:t>setup(name='book',</a:t>
+            </a:r>
+          </a:p>
+          <a:p>
+            <a:pPr marL="342900" indent="-342900" latinLnBrk="0">
+              <a:spcBef>
+                <a:spcPct val="20000"/>
+              </a:spcBef>
+              <a:buFontTx/>
+              <a:buChar char="•"/>
+              <a:defRPr/>
+            </a:pPr>
+            <a:r>
+              <a:rPr kumimoji="0" lang="en-US" altLang="ko-KR" sz="2000" kern="0" dirty="0">
+                <a:solidFill>
+                  <a:srgbClr val="143D68"/>
+                </a:solidFill>
+                <a:latin typeface="맑은 고딕" pitchFamily="50" charset="-127"/>
+                <a:ea typeface="맑은 고딕" pitchFamily="50" charset="-127"/>
+              </a:rPr>
+              <a:t>version='1.0',</a:t>
+            </a:r>
+          </a:p>
+          <a:p>
+            <a:pPr marL="342900" indent="-342900" latinLnBrk="0">
+              <a:spcBef>
+                <a:spcPct val="20000"/>
+              </a:spcBef>
+              <a:buFontTx/>
+              <a:buChar char="•"/>
+              <a:defRPr/>
+            </a:pPr>
+            <a:r>
+              <a:rPr kumimoji="0" lang="en-US" altLang="ko-KR" sz="2000" kern="0" dirty="0">
+                <a:solidFill>
+                  <a:srgbClr val="143D68"/>
+                </a:solidFill>
+                <a:latin typeface="맑은 고딕" pitchFamily="50" charset="-127"/>
+                <a:ea typeface="맑은 고딕" pitchFamily="50" charset="-127"/>
+              </a:rPr>
+              <a:t>classifiers = [ 'book'],</a:t>
+            </a:r>
+          </a:p>
+          <a:p>
+            <a:pPr marL="342900" indent="-342900" latinLnBrk="0">
+              <a:spcBef>
+                <a:spcPct val="20000"/>
+              </a:spcBef>
+              <a:buFontTx/>
+              <a:buChar char="•"/>
+              <a:defRPr/>
+            </a:pPr>
+            <a:r>
+              <a:rPr kumimoji="0" lang="en-US" altLang="ko-KR" sz="2000" kern="0" dirty="0">
+                <a:solidFill>
+                  <a:srgbClr val="143D68"/>
+                </a:solidFill>
+                <a:latin typeface="맑은 고딕" pitchFamily="50" charset="-127"/>
+                <a:ea typeface="맑은 고딕" pitchFamily="50" charset="-127"/>
+              </a:rPr>
+              <a:t>packages=['book'],</a:t>
+            </a:r>
+          </a:p>
+          <a:p>
+            <a:pPr marL="342900" indent="-342900" latinLnBrk="0">
+              <a:spcBef>
+                <a:spcPct val="20000"/>
+              </a:spcBef>
+              <a:buFontTx/>
+              <a:buChar char="•"/>
+              <a:defRPr/>
+            </a:pPr>
+            <a:r>
+              <a:rPr kumimoji="0" lang="en-US" altLang="ko-KR" sz="2000" kern="0" dirty="0" smtClean="0">
+                <a:solidFill>
+                  <a:srgbClr val="143D68"/>
+                </a:solidFill>
+                <a:latin typeface="맑은 고딕" pitchFamily="50" charset="-127"/>
+                <a:ea typeface="맑은 고딕" pitchFamily="50" charset="-127"/>
+              </a:rPr>
+              <a:t>)</a:t>
+            </a:r>
+          </a:p>
+          <a:p>
+            <a:pPr marL="342900" indent="-342900" latinLnBrk="0">
+              <a:spcBef>
+                <a:spcPct val="20000"/>
+              </a:spcBef>
+              <a:buFontTx/>
+              <a:buChar char="•"/>
+              <a:defRPr/>
+            </a:pPr>
+            <a:endParaRPr kumimoji="0" lang="en-US" altLang="ko-KR" sz="2000" kern="0" dirty="0">
+              <a:solidFill>
+                <a:srgbClr val="143D68"/>
+              </a:solidFill>
+              <a:latin typeface="맑은 고딕" pitchFamily="50" charset="-127"/>
+              <a:ea typeface="맑은 고딕" pitchFamily="50" charset="-127"/>
+            </a:endParaRPr>
+          </a:p>
+          <a:p>
+            <a:pPr marL="342900" indent="-342900" latinLnBrk="0">
+              <a:spcBef>
+                <a:spcPct val="20000"/>
+              </a:spcBef>
+              <a:buFontTx/>
+              <a:buChar char="•"/>
+              <a:defRPr/>
+            </a:pPr>
+            <a:r>
+              <a:rPr kumimoji="0" lang="en-US" altLang="ko-KR" sz="2000" kern="0" dirty="0" smtClean="0">
+                <a:solidFill>
+                  <a:srgbClr val="143D68"/>
+                </a:solidFill>
+                <a:latin typeface="맑은 고딕" pitchFamily="50" charset="-127"/>
+                <a:ea typeface="맑은 고딕" pitchFamily="50" charset="-127"/>
+              </a:rPr>
+              <a:t>C:\python.exe setup.py </a:t>
+            </a:r>
+            <a:r>
+              <a:rPr kumimoji="0" lang="en-US" altLang="ko-KR" sz="2000" kern="0" dirty="0" err="1" smtClean="0">
+                <a:solidFill>
+                  <a:srgbClr val="143D68"/>
+                </a:solidFill>
+                <a:latin typeface="맑은 고딕" pitchFamily="50" charset="-127"/>
+                <a:ea typeface="맑은 고딕" pitchFamily="50" charset="-127"/>
+              </a:rPr>
+              <a:t>sdist</a:t>
+            </a:r>
+            <a:endParaRPr kumimoji="0" lang="en-US" altLang="ko-KR" sz="2000" kern="0" dirty="0">
+              <a:solidFill>
+                <a:srgbClr val="143D68"/>
+              </a:solidFill>
+              <a:latin typeface="맑은 고딕" pitchFamily="50" charset="-127"/>
+              <a:ea typeface="맑은 고딕" pitchFamily="50" charset="-127"/>
+            </a:endParaRPr>
+          </a:p>
+          <a:p>
+            <a:pPr marL="342900" indent="-342900" latinLnBrk="0">
+              <a:spcBef>
+                <a:spcPct val="20000"/>
+              </a:spcBef>
+              <a:defRPr/>
+            </a:pPr>
+            <a:endParaRPr kumimoji="0" lang="en-US" altLang="ko-KR" sz="2000" kern="0" dirty="0">
+              <a:solidFill>
+                <a:srgbClr val="143D68"/>
+              </a:solidFill>
+              <a:latin typeface="맑은 고딕" pitchFamily="50" charset="-127"/>
+              <a:ea typeface="맑은 고딕" pitchFamily="50" charset="-127"/>
+            </a:endParaRPr>
+          </a:p>
+          <a:p>
+            <a:pPr marL="342900" indent="-342900" latinLnBrk="0">
+              <a:spcBef>
+                <a:spcPct val="20000"/>
+              </a:spcBef>
+              <a:buFontTx/>
+              <a:buChar char="•"/>
+              <a:defRPr/>
+            </a:pPr>
+            <a:endParaRPr kumimoji="0" lang="en-US" altLang="ko-KR" sz="2000" kern="0" dirty="0">
+              <a:solidFill>
+                <a:srgbClr val="143D68"/>
+              </a:solidFill>
+              <a:latin typeface="맑은 고딕" pitchFamily="50" charset="-127"/>
+              <a:ea typeface="맑은 고딕" pitchFamily="50" charset="-127"/>
+            </a:endParaRPr>
+          </a:p>
+          <a:p>
+            <a:pPr marL="800100" lvl="1" indent="-342900" latinLnBrk="0">
+              <a:spcBef>
+                <a:spcPct val="20000"/>
+              </a:spcBef>
+              <a:defRPr/>
+            </a:pPr>
+            <a:endParaRPr kumimoji="0" lang="en-US" altLang="ko-KR" sz="2000" kern="0" dirty="0">
+              <a:solidFill>
+                <a:srgbClr val="143D68"/>
+              </a:solidFill>
+              <a:latin typeface="맑은 고딕" pitchFamily="50" charset="-127"/>
+              <a:ea typeface="맑은 고딕" pitchFamily="50" charset="-127"/>
+            </a:endParaRPr>
+          </a:p>
+          <a:p>
+            <a:pPr marL="342900" indent="-342900" latinLnBrk="0">
+              <a:spcBef>
+                <a:spcPct val="20000"/>
+              </a:spcBef>
+              <a:buFontTx/>
+              <a:buChar char="•"/>
+              <a:defRPr/>
+            </a:pPr>
+            <a:endParaRPr kumimoji="0" lang="fr-CA" sz="2000" kern="0" dirty="0">
+              <a:solidFill>
+                <a:srgbClr val="143D68"/>
+              </a:solidFill>
+              <a:latin typeface="맑은 고딕" pitchFamily="50" charset="-127"/>
+              <a:ea typeface="맑은 고딕" pitchFamily="50" charset="-127"/>
+            </a:endParaRPr>
+          </a:p>
+        </p:txBody>
+      </p:sp>
+    </p:spTree>
+    <p:extLst>
+      <p:ext uri="{BB962C8B-B14F-4D97-AF65-F5344CB8AC3E}">
+        <p14:creationId xmlns:p14="http://schemas.microsoft.com/office/powerpoint/2010/main" val="111649842"/>
       </p:ext>
     </p:extLst>
   </p:cSld>
